--- a/.lessons/11 ROUTES/4 route grouping/route grouping.pptx
+++ b/.lessons/11 ROUTES/4 route grouping/route grouping.pptx
@@ -5762,7 +5762,7 @@
           <p:nvPr>
             <p:extLst>
               <p:ext uri="{D42A27DB-BD31-4B8C-83A1-F6EECF244321}">
-                <p14:modId xmlns:p14="http://schemas.microsoft.com/office/powerpoint/2010/main" val="2328081957"/>
+                <p14:modId xmlns:p14="http://schemas.microsoft.com/office/powerpoint/2010/main" val="969372146"/>
               </p:ext>
             </p:extLst>
           </p:nvPr>
@@ -5825,7 +5825,7 @@
                       </a:pPr>
                       <a:r>
                         <a:rPr lang="en-US" sz="1400" b="1"/>
-                        <a:t>🧾 Nəticədə bu route-lar belə olur:</a:t>
+                        <a:t>Nəticədə bu route-lar belə olur:</a:t>
                       </a:r>
                     </a:p>
                   </a:txBody>
@@ -5864,7 +5864,7 @@
                     <a:lstStyle/>
                     <a:p>
                       <a:r>
-                        <a:rPr lang="en-US" sz="1400"/>
+                        <a:rPr lang="en-US" sz="1400" b="1"/>
                         <a:t>Route URL</a:t>
                       </a:r>
                     </a:p>
@@ -5877,7 +5877,7 @@
                     <a:lstStyle/>
                     <a:p>
                       <a:r>
-                        <a:rPr lang="en-US" sz="1400"/>
+                        <a:rPr lang="en-US" sz="1400" b="1"/>
                         <a:t>Route Name</a:t>
                       </a:r>
                     </a:p>
@@ -5890,7 +5890,7 @@
                     <a:lstStyle/>
                     <a:p>
                       <a:r>
-                        <a:rPr lang="en-US" sz="1400"/>
+                        <a:rPr lang="en-US" sz="1400" b="1"/>
                         <a:t>Response</a:t>
                       </a:r>
                     </a:p>
